--- a/dependencyDiagram.pptx
+++ b/dependencyDiagram.pptx
@@ -288,7 +288,7 @@
           <a:p>
             <a:fld id="{8794736D-126F-4B0D-8148-7CACB5123DA8}" type="datetimeFigureOut">
               <a:rPr lang="en-US" smtClean="0"/>
-              <a:t>9/21/2012</a:t>
+              <a:t>10/3/2012</a:t>
             </a:fld>
             <a:endParaRPr lang="en-US"/>
           </a:p>
@@ -458,7 +458,7 @@
           <a:p>
             <a:fld id="{8794736D-126F-4B0D-8148-7CACB5123DA8}" type="datetimeFigureOut">
               <a:rPr lang="en-US" smtClean="0"/>
-              <a:t>9/21/2012</a:t>
+              <a:t>10/3/2012</a:t>
             </a:fld>
             <a:endParaRPr lang="en-US"/>
           </a:p>
@@ -638,7 +638,7 @@
           <a:p>
             <a:fld id="{8794736D-126F-4B0D-8148-7CACB5123DA8}" type="datetimeFigureOut">
               <a:rPr lang="en-US" smtClean="0"/>
-              <a:t>9/21/2012</a:t>
+              <a:t>10/3/2012</a:t>
             </a:fld>
             <a:endParaRPr lang="en-US"/>
           </a:p>
@@ -808,7 +808,7 @@
           <a:p>
             <a:fld id="{8794736D-126F-4B0D-8148-7CACB5123DA8}" type="datetimeFigureOut">
               <a:rPr lang="en-US" smtClean="0"/>
-              <a:t>9/21/2012</a:t>
+              <a:t>10/3/2012</a:t>
             </a:fld>
             <a:endParaRPr lang="en-US"/>
           </a:p>
@@ -1054,7 +1054,7 @@
           <a:p>
             <a:fld id="{8794736D-126F-4B0D-8148-7CACB5123DA8}" type="datetimeFigureOut">
               <a:rPr lang="en-US" smtClean="0"/>
-              <a:t>9/21/2012</a:t>
+              <a:t>10/3/2012</a:t>
             </a:fld>
             <a:endParaRPr lang="en-US"/>
           </a:p>
@@ -1342,7 +1342,7 @@
           <a:p>
             <a:fld id="{8794736D-126F-4B0D-8148-7CACB5123DA8}" type="datetimeFigureOut">
               <a:rPr lang="en-US" smtClean="0"/>
-              <a:t>9/21/2012</a:t>
+              <a:t>10/3/2012</a:t>
             </a:fld>
             <a:endParaRPr lang="en-US"/>
           </a:p>
@@ -1764,7 +1764,7 @@
           <a:p>
             <a:fld id="{8794736D-126F-4B0D-8148-7CACB5123DA8}" type="datetimeFigureOut">
               <a:rPr lang="en-US" smtClean="0"/>
-              <a:t>9/21/2012</a:t>
+              <a:t>10/3/2012</a:t>
             </a:fld>
             <a:endParaRPr lang="en-US"/>
           </a:p>
@@ -1882,7 +1882,7 @@
           <a:p>
             <a:fld id="{8794736D-126F-4B0D-8148-7CACB5123DA8}" type="datetimeFigureOut">
               <a:rPr lang="en-US" smtClean="0"/>
-              <a:t>9/21/2012</a:t>
+              <a:t>10/3/2012</a:t>
             </a:fld>
             <a:endParaRPr lang="en-US"/>
           </a:p>
@@ -1977,7 +1977,7 @@
           <a:p>
             <a:fld id="{8794736D-126F-4B0D-8148-7CACB5123DA8}" type="datetimeFigureOut">
               <a:rPr lang="en-US" smtClean="0"/>
-              <a:t>9/21/2012</a:t>
+              <a:t>10/3/2012</a:t>
             </a:fld>
             <a:endParaRPr lang="en-US"/>
           </a:p>
@@ -2254,7 +2254,7 @@
           <a:p>
             <a:fld id="{8794736D-126F-4B0D-8148-7CACB5123DA8}" type="datetimeFigureOut">
               <a:rPr lang="en-US" smtClean="0"/>
-              <a:t>9/21/2012</a:t>
+              <a:t>10/3/2012</a:t>
             </a:fld>
             <a:endParaRPr lang="en-US"/>
           </a:p>
@@ -2507,7 +2507,7 @@
           <a:p>
             <a:fld id="{8794736D-126F-4B0D-8148-7CACB5123DA8}" type="datetimeFigureOut">
               <a:rPr lang="en-US" smtClean="0"/>
-              <a:t>9/21/2012</a:t>
+              <a:t>10/3/2012</a:t>
             </a:fld>
             <a:endParaRPr lang="en-US"/>
           </a:p>
@@ -2720,7 +2720,7 @@
           <a:p>
             <a:fld id="{8794736D-126F-4B0D-8148-7CACB5123DA8}" type="datetimeFigureOut">
               <a:rPr lang="en-US" smtClean="0"/>
-              <a:t>9/21/2012</a:t>
+              <a:t>10/3/2012</a:t>
             </a:fld>
             <a:endParaRPr lang="en-US"/>
           </a:p>
@@ -3650,7 +3650,7 @@
         <p:spPr>
           <a:xfrm>
             <a:off x="2667000" y="4191000"/>
-            <a:ext cx="1600200" cy="369332"/>
+            <a:ext cx="1600200" cy="1169551"/>
           </a:xfrm>
           <a:prstGeom prst="rect">
             <a:avLst/>
@@ -3664,10 +3664,14 @@
           <a:lstStyle/>
           <a:p>
             <a:r>
-              <a:rPr lang="en-US" dirty="0" smtClean="0"/>
-              <a:t>Loads plugin to</a:t>
-            </a:r>
-            <a:endParaRPr lang="en-US" dirty="0"/>
+              <a:rPr lang="en-US" sz="1400" dirty="0" smtClean="0"/>
+              <a:t>Loads plugin </a:t>
+            </a:r>
+            <a:r>
+              <a:rPr lang="en-US" sz="1400" dirty="0" smtClean="0"/>
+              <a:t>and provides listeners for adding and removing plugins to</a:t>
+            </a:r>
+            <a:endParaRPr lang="en-US" sz="1400" dirty="0"/>
           </a:p>
         </p:txBody>
       </p:sp>
